--- a/files/IKE.pptx
+++ b/files/IKE.pptx
@@ -14983,6 +14983,101 @@
           </a:prstGeom>
         </p:spPr>
       </p:pic>
+      <p:sp>
+        <p:nvSpPr>
+          <p:cNvPr id="13" name="Arrow: Right 12">
+            <a:extLst>
+              <a:ext uri="{FF2B5EF4-FFF2-40B4-BE49-F238E27FC236}">
+                <a16:creationId xmlns:a16="http://schemas.microsoft.com/office/drawing/2014/main" id="{1AB48FF0-1A7E-454C-8D10-0C13B68791EE}"/>
+              </a:ext>
+            </a:extLst>
+          </p:cNvPr>
+          <p:cNvSpPr/>
+          <p:nvPr/>
+        </p:nvSpPr>
+        <p:spPr>
+          <a:xfrm>
+            <a:off x="5633194" y="5571716"/>
+            <a:ext cx="1509620" cy="666606"/>
+          </a:xfrm>
+          <a:prstGeom prst="rightArrow">
+            <a:avLst/>
+          </a:prstGeom>
+        </p:spPr>
+        <p:style>
+          <a:lnRef idx="2">
+            <a:schemeClr val="accent1">
+              <a:shade val="50000"/>
+            </a:schemeClr>
+          </a:lnRef>
+          <a:fillRef idx="1">
+            <a:schemeClr val="accent1"/>
+          </a:fillRef>
+          <a:effectRef idx="0">
+            <a:schemeClr val="accent1"/>
+          </a:effectRef>
+          <a:fontRef idx="minor">
+            <a:schemeClr val="lt1"/>
+          </a:fontRef>
+        </p:style>
+        <p:txBody>
+          <a:bodyPr rtlCol="0" anchor="ctr"/>
+          <a:lstStyle/>
+          <a:p>
+            <a:pPr algn="ctr"/>
+            <a:endParaRPr lang="en-US"/>
+          </a:p>
+        </p:txBody>
+      </p:sp>
+      <p:pic>
+        <p:nvPicPr>
+          <p:cNvPr id="4" name="Picture 3">
+            <a:extLst>
+              <a:ext uri="{FF2B5EF4-FFF2-40B4-BE49-F238E27FC236}">
+                <a16:creationId xmlns:a16="http://schemas.microsoft.com/office/drawing/2014/main" id="{F1DB4273-1DBF-41B7-9BDE-D7D7BFD07435}"/>
+              </a:ext>
+            </a:extLst>
+          </p:cNvPr>
+          <p:cNvPicPr>
+            <a:picLocks noChangeAspect="1"/>
+          </p:cNvPicPr>
+          <p:nvPr/>
+        </p:nvPicPr>
+        <p:blipFill>
+          <a:blip r:embed="rId5" cstate="print">
+            <a:clrChange>
+              <a:clrFrom>
+                <a:srgbClr val="FFFFFF"/>
+              </a:clrFrom>
+              <a:clrTo>
+                <a:srgbClr val="FFFFFF">
+                  <a:alpha val="0"/>
+                </a:srgbClr>
+              </a:clrTo>
+            </a:clrChange>
+            <a:extLst>
+              <a:ext uri="{28A0092B-C50C-407E-A947-70E740481C1C}">
+                <a14:useLocalDpi xmlns:a14="http://schemas.microsoft.com/office/drawing/2010/main" val="0"/>
+              </a:ext>
+              <a:ext uri="{837473B0-CC2E-450A-ABE3-18F120FF3D39}">
+                <a1611:picAttrSrcUrl xmlns:a1611="http://schemas.microsoft.com/office/drawing/2016/11/main" r:id="rId6"/>
+              </a:ext>
+            </a:extLst>
+          </a:blip>
+          <a:stretch>
+            <a:fillRect/>
+          </a:stretch>
+        </p:blipFill>
+        <p:spPr>
+          <a:xfrm>
+            <a:off x="7022892" y="5102674"/>
+            <a:ext cx="2008976" cy="1615610"/>
+          </a:xfrm>
+          <a:prstGeom prst="rect">
+            <a:avLst/>
+          </a:prstGeom>
+        </p:spPr>
+      </p:pic>
     </p:spTree>
     <p:extLst>
       <p:ext uri="{BB962C8B-B14F-4D97-AF65-F5344CB8AC3E}">
@@ -15217,30 +15312,102 @@
                             </p:childTnLst>
                           </p:cTn>
                         </p:par>
-                      </p:childTnLst>
-                    </p:cTn>
-                  </p:par>
-                  <p:par>
-                    <p:cTn id="23" fill="hold">
-                      <p:stCondLst>
-                        <p:cond delay="indefinite"/>
-                      </p:stCondLst>
-                      <p:childTnLst>
                         <p:par>
-                          <p:cTn id="24" fill="hold">
+                          <p:cTn id="23" fill="hold">
                             <p:stCondLst>
-                              <p:cond delay="0"/>
+                              <p:cond delay="2000"/>
                             </p:stCondLst>
                             <p:childTnLst>
                               <p:par>
-                                <p:cTn id="25" presetID="1" presetClass="entr" presetSubtype="0" fill="hold" nodeType="clickEffect">
+                                <p:cTn id="24" presetID="1" presetClass="entr" presetSubtype="0" fill="hold" grpId="0" nodeType="afterEffect">
                                   <p:stCondLst>
                                     <p:cond delay="0"/>
                                   </p:stCondLst>
                                   <p:childTnLst>
                                     <p:set>
                                       <p:cBhvr>
-                                        <p:cTn id="26" dur="1" fill="hold">
+                                        <p:cTn id="25" dur="1" fill="hold">
+                                          <p:stCondLst>
+                                            <p:cond delay="0"/>
+                                          </p:stCondLst>
+                                        </p:cTn>
+                                        <p:tgtEl>
+                                          <p:spTgt spid="12"/>
+                                        </p:tgtEl>
+                                        <p:attrNameLst>
+                                          <p:attrName>style.visibility</p:attrName>
+                                        </p:attrNameLst>
+                                      </p:cBhvr>
+                                      <p:to>
+                                        <p:strVal val="visible"/>
+                                      </p:to>
+                                    </p:set>
+                                  </p:childTnLst>
+                                </p:cTn>
+                              </p:par>
+                              <p:par>
+                                <p:cTn id="26" presetID="1" presetClass="entr" presetSubtype="0" fill="hold" grpId="0" nodeType="withEffect">
+                                  <p:stCondLst>
+                                    <p:cond delay="0"/>
+                                  </p:stCondLst>
+                                  <p:childTnLst>
+                                    <p:set>
+                                      <p:cBhvr>
+                                        <p:cTn id="27" dur="1" fill="hold">
+                                          <p:stCondLst>
+                                            <p:cond delay="0"/>
+                                          </p:stCondLst>
+                                        </p:cTn>
+                                        <p:tgtEl>
+                                          <p:spTgt spid="15"/>
+                                        </p:tgtEl>
+                                        <p:attrNameLst>
+                                          <p:attrName>style.visibility</p:attrName>
+                                        </p:attrNameLst>
+                                      </p:cBhvr>
+                                      <p:to>
+                                        <p:strVal val="visible"/>
+                                      </p:to>
+                                    </p:set>
+                                  </p:childTnLst>
+                                </p:cTn>
+                              </p:par>
+                              <p:par>
+                                <p:cTn id="28" presetID="1" presetClass="entr" presetSubtype="0" fill="hold" grpId="0" nodeType="withEffect">
+                                  <p:stCondLst>
+                                    <p:cond delay="0"/>
+                                  </p:stCondLst>
+                                  <p:childTnLst>
+                                    <p:set>
+                                      <p:cBhvr>
+                                        <p:cTn id="29" dur="1" fill="hold">
+                                          <p:stCondLst>
+                                            <p:cond delay="0"/>
+                                          </p:stCondLst>
+                                        </p:cTn>
+                                        <p:tgtEl>
+                                          <p:spTgt spid="2"/>
+                                        </p:tgtEl>
+                                        <p:attrNameLst>
+                                          <p:attrName>style.visibility</p:attrName>
+                                        </p:attrNameLst>
+                                      </p:cBhvr>
+                                      <p:to>
+                                        <p:strVal val="visible"/>
+                                      </p:to>
+                                    </p:set>
+                                  </p:childTnLst>
+                                </p:cTn>
+                              </p:par>
+                              <p:par>
+                                <p:cTn id="30" presetID="1" presetClass="entr" presetSubtype="0" fill="hold" nodeType="withEffect">
+                                  <p:stCondLst>
+                                    <p:cond delay="0"/>
+                                  </p:stCondLst>
+                                  <p:childTnLst>
+                                    <p:set>
+                                      <p:cBhvr>
+                                        <p:cTn id="31" dur="1" fill="hold">
                                           <p:stCondLst>
                                             <p:cond delay="0"/>
                                           </p:stCondLst>
@@ -15259,15 +15426,24 @@
                                   </p:childTnLst>
                                 </p:cTn>
                               </p:par>
+                            </p:childTnLst>
+                          </p:cTn>
+                        </p:par>
+                        <p:par>
+                          <p:cTn id="32" fill="hold">
+                            <p:stCondLst>
+                              <p:cond delay="2000"/>
+                            </p:stCondLst>
+                            <p:childTnLst>
                               <p:par>
-                                <p:cTn id="27" presetID="8" presetClass="emph" presetSubtype="0" fill="hold" nodeType="withEffect">
+                                <p:cTn id="33" presetID="8" presetClass="emph" presetSubtype="0" fill="hold" nodeType="afterEffect">
                                   <p:stCondLst>
                                     <p:cond delay="0"/>
                                   </p:stCondLst>
                                   <p:childTnLst>
                                     <p:animRot by="21600000">
                                       <p:cBhvr>
-                                        <p:cTn id="28" dur="5000" fill="hold"/>
+                                        <p:cTn id="34" dur="5000" fill="hold"/>
                                         <p:tgtEl>
                                           <p:spTgt spid="7"/>
                                         </p:tgtEl>
@@ -15286,26 +15462,26 @@
                     </p:cTn>
                   </p:par>
                   <p:par>
-                    <p:cTn id="29" fill="hold">
+                    <p:cTn id="35" fill="hold">
                       <p:stCondLst>
                         <p:cond delay="indefinite"/>
                       </p:stCondLst>
                       <p:childTnLst>
                         <p:par>
-                          <p:cTn id="30" fill="hold">
+                          <p:cTn id="36" fill="hold">
                             <p:stCondLst>
                               <p:cond delay="0"/>
                             </p:stCondLst>
                             <p:childTnLst>
                               <p:par>
-                                <p:cTn id="31" presetID="1" presetClass="exit" presetSubtype="0" fill="hold" nodeType="clickEffect">
+                                <p:cTn id="37" presetID="1" presetClass="exit" presetSubtype="0" fill="hold" nodeType="clickEffect">
                                   <p:stCondLst>
                                     <p:cond delay="0"/>
                                   </p:stCondLst>
                                   <p:childTnLst>
                                     <p:set>
                                       <p:cBhvr>
-                                        <p:cTn id="32" dur="1" fill="hold">
+                                        <p:cTn id="38" dur="1" fill="hold">
                                           <p:stCondLst>
                                             <p:cond delay="0"/>
                                           </p:stCondLst>
@@ -15325,14 +15501,14 @@
                                 </p:cTn>
                               </p:par>
                               <p:par>
-                                <p:cTn id="33" presetID="1" presetClass="entr" presetSubtype="0" fill="hold" grpId="0" nodeType="withEffect">
+                                <p:cTn id="39" presetID="1" presetClass="entr" presetSubtype="0" fill="hold" grpId="0" nodeType="withEffect">
                                   <p:stCondLst>
                                     <p:cond delay="0"/>
                                   </p:stCondLst>
                                   <p:childTnLst>
                                     <p:set>
                                       <p:cBhvr>
-                                        <p:cTn id="34" dur="1" fill="hold">
+                                        <p:cTn id="40" dur="1" fill="hold">
                                           <p:stCondLst>
                                             <p:cond delay="0"/>
                                           </p:stCondLst>
@@ -15352,14 +15528,14 @@
                                 </p:cTn>
                               </p:par>
                               <p:par>
-                                <p:cTn id="35" presetID="42" presetClass="path" presetSubtype="0" accel="50000" decel="50000" fill="hold" grpId="1" nodeType="withEffect">
+                                <p:cTn id="41" presetID="42" presetClass="path" presetSubtype="0" accel="50000" decel="50000" fill="hold" grpId="1" nodeType="withEffect">
                                   <p:stCondLst>
                                     <p:cond delay="0"/>
                                   </p:stCondLst>
                                   <p:childTnLst>
                                     <p:animMotion origin="layout" path="M 3.88889E-6 1.48148E-6 L 3.88889E-6 0.00023 " pathEditMode="relative" rAng="0" ptsTypes="AA">
                                       <p:cBhvr>
-                                        <p:cTn id="36" dur="2000" fill="hold"/>
+                                        <p:cTn id="42" dur="2000" fill="hold"/>
                                         <p:tgtEl>
                                           <p:spTgt spid="10"/>
                                         </p:tgtEl>
@@ -15374,20 +15550,65 @@
                                 </p:cTn>
                               </p:par>
                               <p:par>
-                                <p:cTn id="37" presetID="1" presetClass="entr" presetSubtype="0" fill="hold" grpId="0" nodeType="withEffect">
+                                <p:cTn id="43" presetID="1" presetClass="entr" presetSubtype="0" fill="hold" grpId="0" nodeType="withEffect">
                                   <p:stCondLst>
                                     <p:cond delay="0"/>
                                   </p:stCondLst>
                                   <p:childTnLst>
                                     <p:set>
                                       <p:cBhvr>
-                                        <p:cTn id="38" dur="1" fill="hold">
+                                        <p:cTn id="44" dur="1" fill="hold">
                                           <p:stCondLst>
                                             <p:cond delay="0"/>
                                           </p:stCondLst>
                                         </p:cTn>
                                         <p:tgtEl>
-                                          <p:spTgt spid="12"/>
+                                          <p:spTgt spid="13"/>
+                                        </p:tgtEl>
+                                        <p:attrNameLst>
+                                          <p:attrName>style.visibility</p:attrName>
+                                        </p:attrNameLst>
+                                      </p:cBhvr>
+                                      <p:to>
+                                        <p:strVal val="visible"/>
+                                      </p:to>
+                                    </p:set>
+                                  </p:childTnLst>
+                                </p:cTn>
+                              </p:par>
+                            </p:childTnLst>
+                          </p:cTn>
+                        </p:par>
+                      </p:childTnLst>
+                    </p:cTn>
+                  </p:par>
+                  <p:par>
+                    <p:cTn id="45" fill="hold">
+                      <p:stCondLst>
+                        <p:cond delay="indefinite"/>
+                      </p:stCondLst>
+                      <p:childTnLst>
+                        <p:par>
+                          <p:cTn id="46" fill="hold">
+                            <p:stCondLst>
+                              <p:cond delay="0"/>
+                            </p:stCondLst>
+                            <p:childTnLst>
+                              <p:par>
+                                <p:cTn id="47" presetID="1" presetClass="entr" presetSubtype="0" fill="hold" grpId="1" nodeType="clickEffect">
+                                  <p:stCondLst>
+                                    <p:cond delay="0"/>
+                                  </p:stCondLst>
+                                  <p:childTnLst>
+                                    <p:set>
+                                      <p:cBhvr>
+                                        <p:cTn id="48" dur="1" fill="hold">
+                                          <p:stCondLst>
+                                            <p:cond delay="0"/>
+                                          </p:stCondLst>
+                                        </p:cTn>
+                                        <p:tgtEl>
+                                          <p:spTgt spid="13"/>
                                         </p:tgtEl>
                                         <p:attrNameLst>
                                           <p:attrName>style.visibility</p:attrName>
@@ -15401,47 +15622,20 @@
                                 </p:cTn>
                               </p:par>
                               <p:par>
-                                <p:cTn id="39" presetID="1" presetClass="entr" presetSubtype="0" fill="hold" grpId="0" nodeType="withEffect">
+                                <p:cTn id="49" presetID="1" presetClass="entr" presetSubtype="0" fill="hold" nodeType="withEffect">
                                   <p:stCondLst>
                                     <p:cond delay="0"/>
                                   </p:stCondLst>
                                   <p:childTnLst>
                                     <p:set>
                                       <p:cBhvr>
-                                        <p:cTn id="40" dur="1" fill="hold">
+                                        <p:cTn id="50" dur="1" fill="hold">
                                           <p:stCondLst>
                                             <p:cond delay="0"/>
                                           </p:stCondLst>
                                         </p:cTn>
                                         <p:tgtEl>
-                                          <p:spTgt spid="15"/>
-                                        </p:tgtEl>
-                                        <p:attrNameLst>
-                                          <p:attrName>style.visibility</p:attrName>
-                                        </p:attrNameLst>
-                                      </p:cBhvr>
-                                      <p:to>
-                                        <p:strVal val="visible"/>
-                                      </p:to>
-                                    </p:set>
-                                  </p:childTnLst>
-                                </p:cTn>
-                              </p:par>
-                              <p:par>
-                                <p:cTn id="41" presetID="1" presetClass="entr" presetSubtype="0" fill="hold" grpId="0" nodeType="withEffect">
-                                  <p:stCondLst>
-                                    <p:cond delay="0"/>
-                                  </p:stCondLst>
-                                  <p:childTnLst>
-                                    <p:set>
-                                      <p:cBhvr>
-                                        <p:cTn id="42" dur="1" fill="hold">
-                                          <p:stCondLst>
-                                            <p:cond delay="0"/>
-                                          </p:stCondLst>
-                                        </p:cTn>
-                                        <p:tgtEl>
-                                          <p:spTgt spid="2"/>
+                                          <p:spTgt spid="4"/>
                                         </p:tgtEl>
                                         <p:attrNameLst>
                                           <p:attrName>style.visibility</p:attrName>
@@ -15493,6 +15687,8 @@
       <p:bldP spid="2" grpId="0" animBg="1"/>
       <p:bldP spid="12" grpId="0" animBg="1"/>
       <p:bldP spid="15" grpId="0" animBg="1"/>
+      <p:bldP spid="13" grpId="0" animBg="1"/>
+      <p:bldP spid="13" grpId="1" animBg="1"/>
     </p:bldLst>
   </p:timing>
 </p:sld>

--- a/files/IKE.pptx
+++ b/files/IKE.pptx
@@ -18,10 +18,10 @@
     <p:sldId id="2915" r:id="rId6"/>
     <p:sldId id="2706" r:id="rId7"/>
     <p:sldId id="2909" r:id="rId8"/>
-    <p:sldId id="2920" r:id="rId9"/>
-    <p:sldId id="2910" r:id="rId10"/>
-    <p:sldId id="2928" r:id="rId11"/>
-    <p:sldId id="2907" r:id="rId12"/>
+    <p:sldId id="2907" r:id="rId9"/>
+    <p:sldId id="2920" r:id="rId10"/>
+    <p:sldId id="2910" r:id="rId11"/>
+    <p:sldId id="2928" r:id="rId12"/>
     <p:sldId id="2908" r:id="rId13"/>
     <p:sldId id="2929" r:id="rId14"/>
     <p:sldId id="2930" r:id="rId15"/>
@@ -1897,72 +1897,132 @@
           <a:bodyPr/>
           <a:lstStyle/>
           <a:p>
-            <a:pPr marL="0" marR="0" lvl="0" indent="0" algn="l" defTabSz="914400" rtl="0" eaLnBrk="0" fontAlgn="base" latinLnBrk="0" hangingPunct="0">
-              <a:lnSpc>
-                <a:spcPct val="100000"/>
-              </a:lnSpc>
-              <a:spcBef>
-                <a:spcPct val="30000"/>
-              </a:spcBef>
-              <a:spcAft>
-                <a:spcPct val="0"/>
-              </a:spcAft>
-              <a:buClrTx/>
-              <a:buSzTx/>
+            <a:r>
+              <a:rPr lang="en-US" dirty="0"/>
+              <a:t>Step 1: Collect information about queries being performed (by all users)</a:t>
+            </a:r>
+          </a:p>
+          <a:p>
+            <a:pPr marL="0" indent="0">
               <a:buFontTx/>
               <a:buNone/>
-              <a:tabLst/>
-              <a:defRPr/>
             </a:pPr>
             <a:r>
               <a:rPr lang="en-US" dirty="0"/>
-              <a:t>At 4 minutes here</a:t>
-            </a:r>
-          </a:p>
-          <a:p>
-            <a:pPr marL="0" marR="0" lvl="0" indent="0" algn="l" defTabSz="914400" rtl="0" eaLnBrk="0" fontAlgn="base" latinLnBrk="0" hangingPunct="0">
-              <a:lnSpc>
-                <a:spcPct val="100000"/>
-              </a:lnSpc>
-              <a:spcBef>
-                <a:spcPct val="30000"/>
-              </a:spcBef>
-              <a:spcAft>
-                <a:spcPct val="0"/>
-              </a:spcAft>
-              <a:buClrTx/>
-              <a:buSzTx/>
+              <a:t>Step 2: Analyze observed usage</a:t>
+            </a:r>
+          </a:p>
+          <a:p>
+            <a:pPr marL="171450" indent="-171450">
+              <a:buFontTx/>
+              <a:buChar char="-"/>
+            </a:pPr>
+            <a:r>
+              <a:rPr lang="en-US" dirty="0"/>
+              <a:t>Core workload classifications, query frequency, data volume</a:t>
+            </a:r>
+          </a:p>
+          <a:p>
+            <a:pPr marL="171450" indent="-171450">
+              <a:buFontTx/>
+              <a:buChar char="-"/>
+            </a:pPr>
+            <a:r>
+              <a:rPr lang="en-US" dirty="0"/>
+              <a:t>Describe keyword parsing (e.g., SELECT, UPDATE, INSERT INTO, DELETE commands)</a:t>
+            </a:r>
+          </a:p>
+          <a:p>
+            <a:pPr marL="628650" lvl="1" indent="-171450">
+              <a:buFontTx/>
+              <a:buChar char="-"/>
+            </a:pPr>
+            <a:r>
+              <a:rPr lang="en-US" dirty="0"/>
+              <a:t>More complex read/modify/write workloads -&gt; SELECT followed by UPDATE/INSERT/DELETE matching WHERE clauses</a:t>
+            </a:r>
+          </a:p>
+          <a:p>
+            <a:pPr marL="171450" lvl="0" indent="-171450">
+              <a:buFontTx/>
+              <a:buChar char="-"/>
+            </a:pPr>
+            <a:r>
+              <a:rPr lang="en-US" dirty="0"/>
+              <a:t>Query frequency average measurement of queries over time</a:t>
+            </a:r>
+          </a:p>
+          <a:p>
+            <a:pPr marL="171450" lvl="0" indent="-171450">
+              <a:buFontTx/>
+              <a:buChar char="-"/>
+            </a:pPr>
+            <a:r>
+              <a:rPr lang="en-US" dirty="0"/>
+              <a:t>Data volume measures average volume of data being stored</a:t>
+            </a:r>
+          </a:p>
+          <a:p>
+            <a:pPr marL="0" indent="0">
               <a:buFontTx/>
               <a:buNone/>
-              <a:tabLst/>
-              <a:defRPr/>
             </a:pPr>
             <a:r>
               <a:rPr lang="en-US" dirty="0"/>
-              <a:t>Who do I mean by “users”?</a:t>
-            </a:r>
-          </a:p>
-          <a:p>
+              <a:t>Step 3: </a:t>
+            </a:r>
+          </a:p>
+          <a:p>
+            <a:pPr marL="0" indent="0">
+              <a:buFontTx/>
+              <a:buNone/>
+            </a:pPr>
+            <a:endParaRPr lang="en-US" dirty="0"/>
+          </a:p>
+          <a:p>
+            <a:pPr marL="0" indent="0">
+              <a:buFontTx/>
+              <a:buNone/>
+            </a:pPr>
             <a:r>
               <a:rPr lang="en-US" dirty="0"/>
-              <a:t>Where am I doing the monitoring from?</a:t>
-            </a:r>
-          </a:p>
-          <a:p>
+              <a:t>Step 4: The outputs of step 2 are used as inputs for a battery of benchmark tests (using YCSB or another similar benchmark tool) to assess performance of similarly resourced NoSQL databases (in terms of CPU, memory, </a:t>
+            </a:r>
+            <a:r>
+              <a:rPr lang="en-US" dirty="0" err="1"/>
+              <a:t>etc</a:t>
+            </a:r>
             <a:r>
               <a:rPr lang="en-US" dirty="0"/>
-              <a:t>What am I seeing, both to the DBMS and in return?</a:t>
-            </a:r>
-          </a:p>
-          <a:p>
-            <a:endParaRPr lang="en-US" dirty="0"/>
+              <a:t>)</a:t>
+            </a:r>
+          </a:p>
+          <a:p>
+            <a:pPr marL="171450" indent="-171450">
+              <a:buFontTx/>
+              <a:buChar char="-"/>
+            </a:pPr>
+            <a:r>
+              <a:rPr lang="en-US" dirty="0"/>
+              <a:t>Should use a core workload mixture analogous to observed usage</a:t>
+            </a:r>
+          </a:p>
+          <a:p>
+            <a:pPr marL="171450" indent="-171450">
+              <a:buFontTx/>
+              <a:buChar char="-"/>
+            </a:pPr>
+            <a:r>
+              <a:rPr lang="en-US" dirty="0"/>
+              <a:t>System performance metrics may indicate lower system requirements for particular database implementations</a:t>
+            </a:r>
           </a:p>
         </p:txBody>
       </p:sp>
     </p:spTree>
     <p:extLst>
       <p:ext uri="{BB962C8B-B14F-4D97-AF65-F5344CB8AC3E}">
-        <p14:creationId xmlns:p14="http://schemas.microsoft.com/office/powerpoint/2010/main" val="4101440223"/>
+        <p14:creationId xmlns:p14="http://schemas.microsoft.com/office/powerpoint/2010/main" val="2192913020"/>
       </p:ext>
     </p:extLst>
   </p:cSld>
@@ -2016,14 +2076,72 @@
           <a:bodyPr/>
           <a:lstStyle/>
           <a:p>
-            <a:endParaRPr lang="en-US"/>
+            <a:pPr marL="0" marR="0" lvl="0" indent="0" algn="l" defTabSz="914400" rtl="0" eaLnBrk="0" fontAlgn="base" latinLnBrk="0" hangingPunct="0">
+              <a:lnSpc>
+                <a:spcPct val="100000"/>
+              </a:lnSpc>
+              <a:spcBef>
+                <a:spcPct val="30000"/>
+              </a:spcBef>
+              <a:spcAft>
+                <a:spcPct val="0"/>
+              </a:spcAft>
+              <a:buClrTx/>
+              <a:buSzTx/>
+              <a:buFontTx/>
+              <a:buNone/>
+              <a:tabLst/>
+              <a:defRPr/>
+            </a:pPr>
+            <a:r>
+              <a:rPr lang="en-US" dirty="0"/>
+              <a:t>At 4 minutes here</a:t>
+            </a:r>
+          </a:p>
+          <a:p>
+            <a:pPr marL="0" marR="0" lvl="0" indent="0" algn="l" defTabSz="914400" rtl="0" eaLnBrk="0" fontAlgn="base" latinLnBrk="0" hangingPunct="0">
+              <a:lnSpc>
+                <a:spcPct val="100000"/>
+              </a:lnSpc>
+              <a:spcBef>
+                <a:spcPct val="30000"/>
+              </a:spcBef>
+              <a:spcAft>
+                <a:spcPct val="0"/>
+              </a:spcAft>
+              <a:buClrTx/>
+              <a:buSzTx/>
+              <a:buFontTx/>
+              <a:buNone/>
+              <a:tabLst/>
+              <a:defRPr/>
+            </a:pPr>
+            <a:r>
+              <a:rPr lang="en-US" dirty="0"/>
+              <a:t>Who do I mean by “users”?</a:t>
+            </a:r>
+          </a:p>
+          <a:p>
+            <a:r>
+              <a:rPr lang="en-US" dirty="0"/>
+              <a:t>Where am I doing the monitoring from?</a:t>
+            </a:r>
+          </a:p>
+          <a:p>
+            <a:r>
+              <a:rPr lang="en-US" dirty="0"/>
+              <a:t>What am I seeing, both to the DBMS and in return?</a:t>
+            </a:r>
+          </a:p>
+          <a:p>
+            <a:endParaRPr lang="en-US" dirty="0"/>
           </a:p>
         </p:txBody>
       </p:sp>
     </p:spTree>
     <p:extLst>
       <p:ext uri="{BB962C8B-B14F-4D97-AF65-F5344CB8AC3E}">
-        <p14:creationId xmlns:p14="http://schemas.microsoft.com/office/powerpoint/2010/main" val="704948937"/>
+        <p14:creationId xmlns:p14="http://schemas.microsoft.com/office/powerpoint/2010/main" val="4101440223"/>
       </p:ext>
     </p:extLst>
   </p:cSld>
@@ -2077,77 +2195,14 @@
           <a:bodyPr/>
           <a:lstStyle/>
           <a:p>
-            <a:r>
-              <a:rPr lang="en-US" dirty="0"/>
-              <a:t>What are we doing here?</a:t>
-            </a:r>
-          </a:p>
-          <a:p>
-            <a:endParaRPr lang="en-US" dirty="0"/>
-          </a:p>
-          <a:p>
-            <a:r>
-              <a:rPr lang="en-US" dirty="0"/>
-              <a:t>We begin by identifying the general makeup of the workload in terms of create, read, update and delete operations, commonly referred to as CRUD operations. By understanding the general makeup of the queries, this information may be useful later in our decision model in pointing towards a given data model. For instance, a write-heavy workload consisting of few read operations relative to all other operations may indicate that a wide-column data model is appropriate, as databases utilizing this model tend to perform well in such applications.</a:t>
-            </a:r>
-          </a:p>
-          <a:p>
-            <a:endParaRPr lang="en-US" dirty="0"/>
-          </a:p>
-          <a:p>
-            <a:r>
-              <a:rPr lang="en-US" dirty="0"/>
-              <a:t>Similarly, some NoSQL data models are able to cope with complex queries, while others like the key-value data model typically do not. Therefore, evaluating the observed queries to determine if they are using simple lookup queries or more complex ones may help inform the selection of a particular data model.</a:t>
-            </a:r>
-          </a:p>
-          <a:p>
-            <a:endParaRPr lang="en-US" dirty="0"/>
-          </a:p>
-          <a:p>
-            <a:r>
-              <a:rPr lang="en-US" dirty="0"/>
-              <a:t>Transparency refers to the notion that the data model can access some subset of related elements as opposed to having to access the entire value. For instance, you can use a key-value model to store just about any value you like, so it is possible to store an array of values within a single key-value element, however the key-value database has no option other than to return the entire value to the user and let the user deal with parsing out the value. Conversely, the nested structure of a document data model means that a user would be able to index and address sub-elements of interest.</a:t>
-            </a:r>
-          </a:p>
-          <a:p>
-            <a:endParaRPr lang="en-US" dirty="0"/>
-          </a:p>
-          <a:p>
-            <a:r>
-              <a:rPr lang="en-US" dirty="0"/>
-              <a:t>When we’re talking about variety, we’re interested in determining if the user is making a bunch of different, ad hoc queries over time or if we are seeing the same few types of queries over time. The values or lookup keys being used may change, but the overall structure remains constant indicating that the queries the user needs to execute are likely to be well known and unchanging over time (at least for the current use case). The column-family data model in particular can take advantage of this foreknowledge of queries by storing related data together for more efficient storage and retrieval.</a:t>
-            </a:r>
-          </a:p>
-          <a:p>
-            <a:endParaRPr lang="en-US" dirty="0"/>
-          </a:p>
-          <a:p>
-            <a:r>
-              <a:rPr lang="en-US" dirty="0"/>
-              <a:t>Finally, the average size of the queries being observed can help inform the selection of a data model. From a purely performance-based perspective, databases that employ the document and column data models tend to handle larger data values, while the key-value and graph data models tend to handle smaller values well. </a:t>
-            </a:r>
-          </a:p>
-          <a:p>
-            <a:endParaRPr lang="en-US" dirty="0"/>
-          </a:p>
-          <a:p>
-            <a:r>
-              <a:rPr lang="en-US" dirty="0"/>
-              <a:t>So here we might expect to see?</a:t>
-            </a:r>
-          </a:p>
-          <a:p>
-            <a:endParaRPr lang="en-US" dirty="0"/>
-          </a:p>
-          <a:p>
-            <a:endParaRPr lang="en-US" dirty="0"/>
+            <a:endParaRPr lang="en-US"/>
           </a:p>
         </p:txBody>
       </p:sp>
     </p:spTree>
     <p:extLst>
       <p:ext uri="{BB962C8B-B14F-4D97-AF65-F5344CB8AC3E}">
-        <p14:creationId xmlns:p14="http://schemas.microsoft.com/office/powerpoint/2010/main" val="1448631703"/>
+        <p14:creationId xmlns:p14="http://schemas.microsoft.com/office/powerpoint/2010/main" val="704948937"/>
       </p:ext>
     </p:extLst>
   </p:cSld>
@@ -2203,130 +2258,75 @@
           <a:p>
             <a:r>
               <a:rPr lang="en-US" dirty="0"/>
-              <a:t>Step 1: Collect information about queries being performed (by all users)</a:t>
-            </a:r>
-          </a:p>
-          <a:p>
-            <a:pPr marL="0" indent="0">
-              <a:buFontTx/>
-              <a:buNone/>
-            </a:pPr>
+              <a:t>What are we doing here?</a:t>
+            </a:r>
+          </a:p>
+          <a:p>
+            <a:endParaRPr lang="en-US" dirty="0"/>
+          </a:p>
+          <a:p>
             <a:r>
               <a:rPr lang="en-US" dirty="0"/>
-              <a:t>Step 2: Analyze observed usage</a:t>
-            </a:r>
-          </a:p>
-          <a:p>
-            <a:pPr marL="171450" indent="-171450">
-              <a:buFontTx/>
-              <a:buChar char="-"/>
-            </a:pPr>
+              <a:t>We begin by identifying the general makeup of the workload in terms of create, read, update and delete operations, commonly referred to as CRUD operations. By understanding the general makeup of the queries, this information may be useful later in our decision model in pointing towards a given data model. For instance, a write-heavy workload consisting of few read operations relative to all other operations may indicate that a wide-column data model is appropriate, as databases utilizing this model tend to perform well in such applications.</a:t>
+            </a:r>
+          </a:p>
+          <a:p>
+            <a:endParaRPr lang="en-US" dirty="0"/>
+          </a:p>
+          <a:p>
             <a:r>
               <a:rPr lang="en-US" dirty="0"/>
-              <a:t>Core workload classifications, query frequency, data volume</a:t>
-            </a:r>
-          </a:p>
-          <a:p>
-            <a:pPr marL="171450" indent="-171450">
-              <a:buFontTx/>
-              <a:buChar char="-"/>
-            </a:pPr>
+              <a:t>Similarly, some NoSQL data models are able to cope with complex queries, while others like the key-value data model typically do not. Therefore, evaluating the observed queries to determine if they are using simple lookup queries or more complex ones may help inform the selection of a particular data model.</a:t>
+            </a:r>
+          </a:p>
+          <a:p>
+            <a:endParaRPr lang="en-US" dirty="0"/>
+          </a:p>
+          <a:p>
             <a:r>
               <a:rPr lang="en-US" dirty="0"/>
-              <a:t>Describe keyword parsing (e.g., SELECT, UPDATE, INSERT INTO, DELETE commands)</a:t>
-            </a:r>
-          </a:p>
-          <a:p>
-            <a:pPr marL="628650" lvl="1" indent="-171450">
-              <a:buFontTx/>
-              <a:buChar char="-"/>
-            </a:pPr>
+              <a:t>Transparency refers to the notion that the data model can access some subset of related elements as opposed to having to access the entire value. For instance, you can use a key-value model to store just about any value you like, so it is possible to store an array of values within a single key-value element, however the key-value database has no option other than to return the entire value to the user and let the user deal with parsing out the value. Conversely, the nested structure of a document data model means that a user would be able to index and address sub-elements of interest.</a:t>
+            </a:r>
+          </a:p>
+          <a:p>
+            <a:endParaRPr lang="en-US" dirty="0"/>
+          </a:p>
+          <a:p>
             <a:r>
               <a:rPr lang="en-US" dirty="0"/>
-              <a:t>More complex read/modify/write workloads -&gt; SELECT followed by UPDATE/INSERT/DELETE matching WHERE clauses</a:t>
-            </a:r>
-          </a:p>
-          <a:p>
-            <a:pPr marL="171450" lvl="0" indent="-171450">
-              <a:buFontTx/>
-              <a:buChar char="-"/>
-            </a:pPr>
+              <a:t>When we’re talking about variety, we’re interested in determining if the user is making a bunch of different, ad hoc queries over time or if we are seeing the same few types of queries over time. The values or lookup keys being used may change, but the overall structure remains constant indicating that the queries the user needs to execute are likely to be well known and unchanging over time (at least for the current use case). The column-family data model in particular can take advantage of this foreknowledge of queries by storing related data together for more efficient storage and retrieval.</a:t>
+            </a:r>
+          </a:p>
+          <a:p>
+            <a:endParaRPr lang="en-US" dirty="0"/>
+          </a:p>
+          <a:p>
             <a:r>
               <a:rPr lang="en-US" dirty="0"/>
-              <a:t>Query frequency average measurement of queries over time</a:t>
-            </a:r>
-          </a:p>
-          <a:p>
-            <a:pPr marL="171450" lvl="0" indent="-171450">
-              <a:buFontTx/>
-              <a:buChar char="-"/>
-            </a:pPr>
+              <a:t>Finally, the average size of the queries being observed can help inform the selection of a data model. From a purely performance-based perspective, databases that employ the document and column data models tend to handle larger data values, while the key-value and graph data models tend to handle smaller values well. </a:t>
+            </a:r>
+          </a:p>
+          <a:p>
+            <a:endParaRPr lang="en-US" dirty="0"/>
+          </a:p>
+          <a:p>
             <a:r>
               <a:rPr lang="en-US" dirty="0"/>
-              <a:t>Data volume measures average volume of data being stored</a:t>
-            </a:r>
-          </a:p>
-          <a:p>
-            <a:pPr marL="0" indent="0">
-              <a:buFontTx/>
-              <a:buNone/>
-            </a:pPr>
-            <a:r>
-              <a:rPr lang="en-US" dirty="0"/>
-              <a:t>Step 3: </a:t>
-            </a:r>
-          </a:p>
-          <a:p>
-            <a:pPr marL="0" indent="0">
-              <a:buFontTx/>
-              <a:buNone/>
-            </a:pPr>
+              <a:t>So here we might expect to see?</a:t>
+            </a:r>
+          </a:p>
+          <a:p>
             <a:endParaRPr lang="en-US" dirty="0"/>
           </a:p>
           <a:p>
-            <a:pPr marL="0" indent="0">
-              <a:buFontTx/>
-              <a:buNone/>
-            </a:pPr>
-            <a:r>
-              <a:rPr lang="en-US" dirty="0"/>
-              <a:t>Step 4: The outputs of step 2 are used as inputs for a battery of benchmark tests (using YCSB or another similar benchmark tool) to assess performance of similarly resourced NoSQL databases (in terms of CPU, memory, </a:t>
-            </a:r>
-            <a:r>
-              <a:rPr lang="en-US" dirty="0" err="1"/>
-              <a:t>etc</a:t>
-            </a:r>
-            <a:r>
-              <a:rPr lang="en-US" dirty="0"/>
-              <a:t>)</a:t>
-            </a:r>
-          </a:p>
-          <a:p>
-            <a:pPr marL="171450" indent="-171450">
-              <a:buFontTx/>
-              <a:buChar char="-"/>
-            </a:pPr>
-            <a:r>
-              <a:rPr lang="en-US" dirty="0"/>
-              <a:t>Should use a core workload mixture analogous to observed usage</a:t>
-            </a:r>
-          </a:p>
-          <a:p>
-            <a:pPr marL="171450" indent="-171450">
-              <a:buFontTx/>
-              <a:buChar char="-"/>
-            </a:pPr>
-            <a:r>
-              <a:rPr lang="en-US" dirty="0"/>
-              <a:t>System performance metrics may indicate lower system requirements for particular database implementations</a:t>
-            </a:r>
+            <a:endParaRPr lang="en-US" dirty="0"/>
           </a:p>
         </p:txBody>
       </p:sp>
     </p:spTree>
     <p:extLst>
       <p:ext uri="{BB962C8B-B14F-4D97-AF65-F5344CB8AC3E}">
-        <p14:creationId xmlns:p14="http://schemas.microsoft.com/office/powerpoint/2010/main" val="2192913020"/>
+        <p14:creationId xmlns:p14="http://schemas.microsoft.com/office/powerpoint/2010/main" val="1448631703"/>
       </p:ext>
     </p:extLst>
   </p:cSld>
@@ -14770,6 +14770,9 @@
           <a:prstGeom prst="rect">
             <a:avLst/>
           </a:prstGeom>
+          <a:solidFill>
+            <a:schemeClr val="accent2"/>
+          </a:solidFill>
         </p:spPr>
         <p:style>
           <a:lnRef idx="2">
@@ -14975,8 +14978,8 @@
         </p:blipFill>
         <p:spPr>
           <a:xfrm>
-            <a:off x="3429701" y="4100775"/>
-            <a:ext cx="2284598" cy="2249450"/>
+            <a:off x="3425341" y="4100775"/>
+            <a:ext cx="2288958" cy="2253743"/>
           </a:xfrm>
           <a:prstGeom prst="rect">
             <a:avLst/>
@@ -17865,6 +17868,181 @@
 </file>
 
 <file path=ppt/slides/slide5.xml><?xml version="1.0" encoding="utf-8"?>
+<p:sld xmlns:a="http://schemas.openxmlformats.org/drawingml/2006/main" xmlns:r="http://schemas.openxmlformats.org/officeDocument/2006/relationships" xmlns:p="http://schemas.openxmlformats.org/presentationml/2006/main">
+  <p:cSld>
+    <p:spTree>
+      <p:nvGrpSpPr>
+        <p:cNvPr id="1" name=""/>
+        <p:cNvGrpSpPr/>
+        <p:nvPr/>
+      </p:nvGrpSpPr>
+      <p:grpSpPr>
+        <a:xfrm>
+          <a:off x="0" y="0"/>
+          <a:ext cx="0" cy="0"/>
+          <a:chOff x="0" y="0"/>
+          <a:chExt cx="0" cy="0"/>
+        </a:xfrm>
+      </p:grpSpPr>
+      <p:sp>
+        <p:nvSpPr>
+          <p:cNvPr id="2" name="Title 1"/>
+          <p:cNvSpPr>
+            <a:spLocks noGrp="1"/>
+          </p:cNvSpPr>
+          <p:nvPr>
+            <p:ph type="title"/>
+          </p:nvPr>
+        </p:nvSpPr>
+        <p:spPr/>
+        <p:txBody>
+          <a:bodyPr/>
+          <a:lstStyle/>
+          <a:p>
+            <a:r>
+              <a:rPr lang="en-US" dirty="0"/>
+              <a:t>Methodology</a:t>
+            </a:r>
+          </a:p>
+        </p:txBody>
+      </p:sp>
+      <p:sp>
+        <p:nvSpPr>
+          <p:cNvPr id="3" name="Content Placeholder 2">
+            <a:extLst>
+              <a:ext uri="{FF2B5EF4-FFF2-40B4-BE49-F238E27FC236}">
+                <a16:creationId xmlns:a16="http://schemas.microsoft.com/office/drawing/2014/main" id="{A4E0E546-1FA4-445C-B430-7D0F0FACE58F}"/>
+              </a:ext>
+            </a:extLst>
+          </p:cNvPr>
+          <p:cNvSpPr>
+            <a:spLocks noGrp="1"/>
+          </p:cNvSpPr>
+          <p:nvPr>
+            <p:ph sz="half" idx="10"/>
+          </p:nvPr>
+        </p:nvSpPr>
+        <p:spPr>
+          <a:xfrm>
+            <a:off x="94593" y="1295400"/>
+            <a:ext cx="4939861" cy="4953000"/>
+          </a:xfrm>
+        </p:spPr>
+        <p:txBody>
+          <a:bodyPr/>
+          <a:lstStyle/>
+          <a:p>
+            <a:pPr marL="0" indent="0">
+              <a:buNone/>
+            </a:pPr>
+            <a:r>
+              <a:rPr lang="en-US" dirty="0"/>
+              <a:t>Step 1: Monitor Current Usage</a:t>
+            </a:r>
+          </a:p>
+          <a:p>
+            <a:pPr marL="0" indent="0">
+              <a:buNone/>
+            </a:pPr>
+            <a:endParaRPr lang="en-US" dirty="0"/>
+          </a:p>
+          <a:p>
+            <a:pPr marL="0" indent="0">
+              <a:buNone/>
+            </a:pPr>
+            <a:r>
+              <a:rPr lang="en-US" dirty="0"/>
+              <a:t>Step 2: Characterize Observed Usage</a:t>
+            </a:r>
+          </a:p>
+          <a:p>
+            <a:pPr marL="0" indent="0">
+              <a:buNone/>
+            </a:pPr>
+            <a:endParaRPr lang="en-US" dirty="0"/>
+          </a:p>
+          <a:p>
+            <a:pPr marL="0" indent="0">
+              <a:buNone/>
+            </a:pPr>
+            <a:r>
+              <a:rPr lang="en-US" dirty="0"/>
+              <a:t>Step 3: Selection of alternative NoSQL data model</a:t>
+            </a:r>
+          </a:p>
+          <a:p>
+            <a:pPr marL="0" indent="0">
+              <a:buNone/>
+            </a:pPr>
+            <a:br>
+              <a:rPr lang="en-US" dirty="0"/>
+            </a:br>
+            <a:r>
+              <a:rPr lang="en-US" dirty="0"/>
+              <a:t>Step 4: Validation</a:t>
+            </a:r>
+          </a:p>
+        </p:txBody>
+      </p:sp>
+      <p:pic>
+        <p:nvPicPr>
+          <p:cNvPr id="12" name="Content Placeholder 11">
+            <a:extLst>
+              <a:ext uri="{FF2B5EF4-FFF2-40B4-BE49-F238E27FC236}">
+                <a16:creationId xmlns:a16="http://schemas.microsoft.com/office/drawing/2014/main" id="{9A7492C4-F294-4F4A-B9ED-DAFC8CA0E398}"/>
+              </a:ext>
+            </a:extLst>
+          </p:cNvPr>
+          <p:cNvPicPr>
+            <a:picLocks noGrp="1" noChangeAspect="1"/>
+          </p:cNvPicPr>
+          <p:nvPr>
+            <p:ph sz="half" idx="2"/>
+          </p:nvPr>
+        </p:nvPicPr>
+        <p:blipFill>
+          <a:blip r:embed="rId3">
+            <a:clrChange>
+              <a:clrFrom>
+                <a:srgbClr val="FFFFFF"/>
+              </a:clrFrom>
+              <a:clrTo>
+                <a:srgbClr val="FFFFFF">
+                  <a:alpha val="0"/>
+                </a:srgbClr>
+              </a:clrTo>
+            </a:clrChange>
+            <a:extLst>
+              <a:ext uri="{28A0092B-C50C-407E-A947-70E740481C1C}">
+                <a14:useLocalDpi xmlns:a14="http://schemas.microsoft.com/office/drawing/2010/main" val="0"/>
+              </a:ext>
+            </a:extLst>
+          </a:blip>
+          <a:stretch>
+            <a:fillRect/>
+          </a:stretch>
+        </p:blipFill>
+        <p:spPr>
+          <a:xfrm>
+            <a:off x="5343664" y="1188347"/>
+            <a:ext cx="3705743" cy="5606831"/>
+          </a:xfrm>
+        </p:spPr>
+      </p:pic>
+    </p:spTree>
+    <p:extLst>
+      <p:ext uri="{BB962C8B-B14F-4D97-AF65-F5344CB8AC3E}">
+        <p14:creationId xmlns:p14="http://schemas.microsoft.com/office/powerpoint/2010/main" val="4085187736"/>
+      </p:ext>
+    </p:extLst>
+  </p:cSld>
+  <p:clrMapOvr>
+    <a:masterClrMapping/>
+  </p:clrMapOvr>
+</p:sld>
+</file>
+
+<file path=ppt/slides/slide6.xml><?xml version="1.0" encoding="utf-8"?>
 <p:sld xmlns:a="http://schemas.openxmlformats.org/drawingml/2006/main" xmlns:r="http://schemas.openxmlformats.org/officeDocument/2006/relationships" xmlns:p="http://schemas.openxmlformats.org/presentationml/2006/main">
   <p:cSld>
     <p:spTree>
@@ -19709,7 +19887,7 @@
 </p:sld>
 </file>
 
-<file path=ppt/slides/slide6.xml><?xml version="1.0" encoding="utf-8"?>
+<file path=ppt/slides/slide7.xml><?xml version="1.0" encoding="utf-8"?>
 <p:sld xmlns:a="http://schemas.openxmlformats.org/drawingml/2006/main" xmlns:r="http://schemas.openxmlformats.org/officeDocument/2006/relationships" xmlns:p="http://schemas.openxmlformats.org/presentationml/2006/main">
   <p:cSld>
     <p:spTree>
@@ -19993,7 +20171,7 @@
 </p:sld>
 </file>
 
-<file path=ppt/slides/slide7.xml><?xml version="1.0" encoding="utf-8"?>
+<file path=ppt/slides/slide8.xml><?xml version="1.0" encoding="utf-8"?>
 <p:sld xmlns:a="http://schemas.openxmlformats.org/drawingml/2006/main" xmlns:r="http://schemas.openxmlformats.org/officeDocument/2006/relationships" xmlns:p="http://schemas.openxmlformats.org/presentationml/2006/main">
   <p:cSld>
     <p:spTree>
@@ -20932,181 +21110,6 @@
     <p:extLst>
       <p:ext uri="{BB962C8B-B14F-4D97-AF65-F5344CB8AC3E}">
         <p14:creationId xmlns:p14="http://schemas.microsoft.com/office/powerpoint/2010/main" val="114239282"/>
-      </p:ext>
-    </p:extLst>
-  </p:cSld>
-  <p:clrMapOvr>
-    <a:masterClrMapping/>
-  </p:clrMapOvr>
-</p:sld>
-</file>
-
-<file path=ppt/slides/slide8.xml><?xml version="1.0" encoding="utf-8"?>
-<p:sld xmlns:a="http://schemas.openxmlformats.org/drawingml/2006/main" xmlns:r="http://schemas.openxmlformats.org/officeDocument/2006/relationships" xmlns:p="http://schemas.openxmlformats.org/presentationml/2006/main">
-  <p:cSld>
-    <p:spTree>
-      <p:nvGrpSpPr>
-        <p:cNvPr id="1" name=""/>
-        <p:cNvGrpSpPr/>
-        <p:nvPr/>
-      </p:nvGrpSpPr>
-      <p:grpSpPr>
-        <a:xfrm>
-          <a:off x="0" y="0"/>
-          <a:ext cx="0" cy="0"/>
-          <a:chOff x="0" y="0"/>
-          <a:chExt cx="0" cy="0"/>
-        </a:xfrm>
-      </p:grpSpPr>
-      <p:sp>
-        <p:nvSpPr>
-          <p:cNvPr id="2" name="Title 1"/>
-          <p:cNvSpPr>
-            <a:spLocks noGrp="1"/>
-          </p:cNvSpPr>
-          <p:nvPr>
-            <p:ph type="title"/>
-          </p:nvPr>
-        </p:nvSpPr>
-        <p:spPr/>
-        <p:txBody>
-          <a:bodyPr/>
-          <a:lstStyle/>
-          <a:p>
-            <a:r>
-              <a:rPr lang="en-US" dirty="0"/>
-              <a:t>Methodology</a:t>
-            </a:r>
-          </a:p>
-        </p:txBody>
-      </p:sp>
-      <p:sp>
-        <p:nvSpPr>
-          <p:cNvPr id="3" name="Content Placeholder 2">
-            <a:extLst>
-              <a:ext uri="{FF2B5EF4-FFF2-40B4-BE49-F238E27FC236}">
-                <a16:creationId xmlns:a16="http://schemas.microsoft.com/office/drawing/2014/main" id="{A4E0E546-1FA4-445C-B430-7D0F0FACE58F}"/>
-              </a:ext>
-            </a:extLst>
-          </p:cNvPr>
-          <p:cNvSpPr>
-            <a:spLocks noGrp="1"/>
-          </p:cNvSpPr>
-          <p:nvPr>
-            <p:ph sz="half" idx="10"/>
-          </p:nvPr>
-        </p:nvSpPr>
-        <p:spPr>
-          <a:xfrm>
-            <a:off x="94593" y="1295400"/>
-            <a:ext cx="4939861" cy="4953000"/>
-          </a:xfrm>
-        </p:spPr>
-        <p:txBody>
-          <a:bodyPr/>
-          <a:lstStyle/>
-          <a:p>
-            <a:pPr marL="0" indent="0">
-              <a:buNone/>
-            </a:pPr>
-            <a:r>
-              <a:rPr lang="en-US" dirty="0"/>
-              <a:t>Step 1: Monitor Current Usage</a:t>
-            </a:r>
-          </a:p>
-          <a:p>
-            <a:pPr marL="0" indent="0">
-              <a:buNone/>
-            </a:pPr>
-            <a:endParaRPr lang="en-US" dirty="0"/>
-          </a:p>
-          <a:p>
-            <a:pPr marL="0" indent="0">
-              <a:buNone/>
-            </a:pPr>
-            <a:r>
-              <a:rPr lang="en-US" dirty="0"/>
-              <a:t>Step 2: Characterize Observed Usage</a:t>
-            </a:r>
-          </a:p>
-          <a:p>
-            <a:pPr marL="0" indent="0">
-              <a:buNone/>
-            </a:pPr>
-            <a:endParaRPr lang="en-US" dirty="0"/>
-          </a:p>
-          <a:p>
-            <a:pPr marL="0" indent="0">
-              <a:buNone/>
-            </a:pPr>
-            <a:r>
-              <a:rPr lang="en-US" dirty="0"/>
-              <a:t>Step 3: Selection of alternative NoSQL data model</a:t>
-            </a:r>
-          </a:p>
-          <a:p>
-            <a:pPr marL="0" indent="0">
-              <a:buNone/>
-            </a:pPr>
-            <a:br>
-              <a:rPr lang="en-US" dirty="0"/>
-            </a:br>
-            <a:r>
-              <a:rPr lang="en-US" dirty="0"/>
-              <a:t>Step 4: Validation</a:t>
-            </a:r>
-          </a:p>
-        </p:txBody>
-      </p:sp>
-      <p:pic>
-        <p:nvPicPr>
-          <p:cNvPr id="12" name="Content Placeholder 11">
-            <a:extLst>
-              <a:ext uri="{FF2B5EF4-FFF2-40B4-BE49-F238E27FC236}">
-                <a16:creationId xmlns:a16="http://schemas.microsoft.com/office/drawing/2014/main" id="{9A7492C4-F294-4F4A-B9ED-DAFC8CA0E398}"/>
-              </a:ext>
-            </a:extLst>
-          </p:cNvPr>
-          <p:cNvPicPr>
-            <a:picLocks noGrp="1" noChangeAspect="1"/>
-          </p:cNvPicPr>
-          <p:nvPr>
-            <p:ph sz="half" idx="2"/>
-          </p:nvPr>
-        </p:nvPicPr>
-        <p:blipFill>
-          <a:blip r:embed="rId3">
-            <a:clrChange>
-              <a:clrFrom>
-                <a:srgbClr val="FFFFFF"/>
-              </a:clrFrom>
-              <a:clrTo>
-                <a:srgbClr val="FFFFFF">
-                  <a:alpha val="0"/>
-                </a:srgbClr>
-              </a:clrTo>
-            </a:clrChange>
-            <a:extLst>
-              <a:ext uri="{28A0092B-C50C-407E-A947-70E740481C1C}">
-                <a14:useLocalDpi xmlns:a14="http://schemas.microsoft.com/office/drawing/2010/main" val="0"/>
-              </a:ext>
-            </a:extLst>
-          </a:blip>
-          <a:stretch>
-            <a:fillRect/>
-          </a:stretch>
-        </p:blipFill>
-        <p:spPr>
-          <a:xfrm>
-            <a:off x="5343664" y="1188347"/>
-            <a:ext cx="3705743" cy="5606831"/>
-          </a:xfrm>
-        </p:spPr>
-      </p:pic>
-    </p:spTree>
-    <p:extLst>
-      <p:ext uri="{BB962C8B-B14F-4D97-AF65-F5344CB8AC3E}">
-        <p14:creationId xmlns:p14="http://schemas.microsoft.com/office/powerpoint/2010/main" val="4085187736"/>
       </p:ext>
     </p:extLst>
   </p:cSld>

--- a/files/IKE.pptx
+++ b/files/IKE.pptx
@@ -925,13 +925,8 @@
           <a:p>
             <a:r>
               <a:rPr lang="en-US" dirty="0"/>
-              <a:t>Good morning, and thank you for your interest in my presentation. My name is Paul Beach, and I am a Air Force officer and PhD student at the Air Force Institute of Technology. My talk today is centered around the direction of my proposed PhD research, specifically in the areas of understanding how observations of relational database usage might inform the selection of a more </a:t>
-            </a:r>
-            <a:r>
-              <a:rPr lang="en-US"/>
-              <a:t>suitable NoSQL data model.</a:t>
-            </a:r>
-            <a:endParaRPr lang="en-US" dirty="0"/>
+              <a:t>Good morning, and thank you for your interest in my presentation. My name is Paul Beach, and I am a Air Force officer and PhD student at the Air Force Institute of Technology. My talk today is centered around the direction of my proposed PhD research, specifically in the areas of understanding how observations of relational database usage might inform the selection of a more suitable NoSQL data model.</a:t>
+            </a:r>
           </a:p>
           <a:p>
             <a:endParaRPr lang="en-US" dirty="0"/>
@@ -17468,6 +17463,13 @@
           </a:p>
           <a:p>
             <a:r>
+              <a:rPr lang="en-US"/>
+              <a:t>Methodology</a:t>
+            </a:r>
+            <a:endParaRPr lang="en-US" dirty="0"/>
+          </a:p>
+          <a:p>
+            <a:r>
               <a:rPr lang="en-US" dirty="0"/>
               <a:t>System Overview</a:t>
             </a:r>
@@ -17476,12 +17478,6 @@
             <a:r>
               <a:rPr lang="en-US" dirty="0"/>
               <a:t>Proposed Workload Characterization Criteria</a:t>
-            </a:r>
-          </a:p>
-          <a:p>
-            <a:r>
-              <a:rPr lang="en-US" dirty="0"/>
-              <a:t>Methodology</a:t>
             </a:r>
           </a:p>
           <a:p>
